--- a/documents/lab 프로젝트 기본 구조.pptx
+++ b/documents/lab 프로젝트 기본 구조.pptx
@@ -408,7 +408,7 @@
           <a:p>
             <a:fld id="{A606F5D0-77E3-4881-BA54-C940A163A217}" type="datetimeFigureOut">
               <a:rPr lang="ko-KR" altLang="en-US" smtClean="0"/>
-              <a:t>2024-03-24</a:t>
+              <a:t>2024-07-29</a:t>
             </a:fld>
             <a:endParaRPr lang="ko-KR" altLang="en-US"/>
           </a:p>
@@ -606,7 +606,7 @@
           <a:p>
             <a:fld id="{A606F5D0-77E3-4881-BA54-C940A163A217}" type="datetimeFigureOut">
               <a:rPr lang="ko-KR" altLang="en-US" smtClean="0"/>
-              <a:t>2024-03-24</a:t>
+              <a:t>2024-07-29</a:t>
             </a:fld>
             <a:endParaRPr lang="ko-KR" altLang="en-US"/>
           </a:p>
@@ -814,7 +814,7 @@
           <a:p>
             <a:fld id="{A606F5D0-77E3-4881-BA54-C940A163A217}" type="datetimeFigureOut">
               <a:rPr lang="ko-KR" altLang="en-US" smtClean="0"/>
-              <a:t>2024-03-24</a:t>
+              <a:t>2024-07-29</a:t>
             </a:fld>
             <a:endParaRPr lang="ko-KR" altLang="en-US"/>
           </a:p>
@@ -1012,7 +1012,7 @@
           <a:p>
             <a:fld id="{A606F5D0-77E3-4881-BA54-C940A163A217}" type="datetimeFigureOut">
               <a:rPr lang="ko-KR" altLang="en-US" smtClean="0"/>
-              <a:t>2024-03-24</a:t>
+              <a:t>2024-07-29</a:t>
             </a:fld>
             <a:endParaRPr lang="ko-KR" altLang="en-US"/>
           </a:p>
@@ -1287,7 +1287,7 @@
           <a:p>
             <a:fld id="{A606F5D0-77E3-4881-BA54-C940A163A217}" type="datetimeFigureOut">
               <a:rPr lang="ko-KR" altLang="en-US" smtClean="0"/>
-              <a:t>2024-03-24</a:t>
+              <a:t>2024-07-29</a:t>
             </a:fld>
             <a:endParaRPr lang="ko-KR" altLang="en-US"/>
           </a:p>
@@ -1552,7 +1552,7 @@
           <a:p>
             <a:fld id="{A606F5D0-77E3-4881-BA54-C940A163A217}" type="datetimeFigureOut">
               <a:rPr lang="ko-KR" altLang="en-US" smtClean="0"/>
-              <a:t>2024-03-24</a:t>
+              <a:t>2024-07-29</a:t>
             </a:fld>
             <a:endParaRPr lang="ko-KR" altLang="en-US"/>
           </a:p>
@@ -1964,7 +1964,7 @@
           <a:p>
             <a:fld id="{A606F5D0-77E3-4881-BA54-C940A163A217}" type="datetimeFigureOut">
               <a:rPr lang="ko-KR" altLang="en-US" smtClean="0"/>
-              <a:t>2024-03-24</a:t>
+              <a:t>2024-07-29</a:t>
             </a:fld>
             <a:endParaRPr lang="ko-KR" altLang="en-US"/>
           </a:p>
@@ -2105,7 +2105,7 @@
           <a:p>
             <a:fld id="{A606F5D0-77E3-4881-BA54-C940A163A217}" type="datetimeFigureOut">
               <a:rPr lang="ko-KR" altLang="en-US" smtClean="0"/>
-              <a:t>2024-03-24</a:t>
+              <a:t>2024-07-29</a:t>
             </a:fld>
             <a:endParaRPr lang="ko-KR" altLang="en-US"/>
           </a:p>
@@ -2218,7 +2218,7 @@
           <a:p>
             <a:fld id="{A606F5D0-77E3-4881-BA54-C940A163A217}" type="datetimeFigureOut">
               <a:rPr lang="ko-KR" altLang="en-US" smtClean="0"/>
-              <a:t>2024-03-24</a:t>
+              <a:t>2024-07-29</a:t>
             </a:fld>
             <a:endParaRPr lang="ko-KR" altLang="en-US"/>
           </a:p>
@@ -2529,7 +2529,7 @@
           <a:p>
             <a:fld id="{A606F5D0-77E3-4881-BA54-C940A163A217}" type="datetimeFigureOut">
               <a:rPr lang="ko-KR" altLang="en-US" smtClean="0"/>
-              <a:t>2024-03-24</a:t>
+              <a:t>2024-07-29</a:t>
             </a:fld>
             <a:endParaRPr lang="ko-KR" altLang="en-US"/>
           </a:p>
@@ -2817,7 +2817,7 @@
           <a:p>
             <a:fld id="{A606F5D0-77E3-4881-BA54-C940A163A217}" type="datetimeFigureOut">
               <a:rPr lang="ko-KR" altLang="en-US" smtClean="0"/>
-              <a:t>2024-03-24</a:t>
+              <a:t>2024-07-29</a:t>
             </a:fld>
             <a:endParaRPr lang="ko-KR" altLang="en-US"/>
           </a:p>
@@ -3058,7 +3058,7 @@
           <a:p>
             <a:fld id="{A606F5D0-77E3-4881-BA54-C940A163A217}" type="datetimeFigureOut">
               <a:rPr lang="ko-KR" altLang="en-US" smtClean="0"/>
-              <a:t>2024-03-24</a:t>
+              <a:t>2024-07-29</a:t>
             </a:fld>
             <a:endParaRPr lang="ko-KR" altLang="en-US"/>
           </a:p>
@@ -3489,8 +3489,8 @@
         </p:nvSpPr>
         <p:spPr>
           <a:xfrm>
-            <a:off x="880836" y="2142853"/>
-            <a:ext cx="3017520" cy="894806"/>
+            <a:off x="2243981" y="2142853"/>
+            <a:ext cx="1873642" cy="894806"/>
           </a:xfrm>
           <a:prstGeom prst="rect">
             <a:avLst/>
@@ -3589,7 +3589,7 @@
         </p:nvSpPr>
         <p:spPr>
           <a:xfrm>
-            <a:off x="9634765" y="2142853"/>
+            <a:off x="9514115" y="2142853"/>
             <a:ext cx="1687285" cy="894806"/>
           </a:xfrm>
           <a:prstGeom prst="rect">
@@ -3639,8 +3639,8 @@
         </p:nvSpPr>
         <p:spPr>
           <a:xfrm>
-            <a:off x="880836" y="3802923"/>
-            <a:ext cx="3017520" cy="894806"/>
+            <a:off x="2243981" y="3802923"/>
+            <a:ext cx="1873642" cy="894806"/>
           </a:xfrm>
           <a:prstGeom prst="rect">
             <a:avLst/>
@@ -3693,8 +3693,8 @@
         </p:nvCxnSpPr>
         <p:spPr>
           <a:xfrm>
-            <a:off x="3898356" y="2590256"/>
-            <a:ext cx="1437459" cy="0"/>
+            <a:off x="4117623" y="2590256"/>
+            <a:ext cx="1218192" cy="0"/>
           </a:xfrm>
           <a:prstGeom prst="straightConnector1">
             <a:avLst/>
@@ -3736,7 +3736,7 @@
         </p:nvCxnSpPr>
         <p:spPr>
           <a:xfrm flipV="1">
-            <a:off x="2389596" y="3037659"/>
+            <a:off x="3180802" y="3037659"/>
             <a:ext cx="0" cy="765264"/>
           </a:xfrm>
           <a:prstGeom prst="straightConnector1">
@@ -3746,7 +3746,7 @@
             <a:solidFill>
               <a:schemeClr val="tx1"/>
             </a:solidFill>
-            <a:tailEnd type="triangle"/>
+            <a:tailEnd type="none"/>
           </a:ln>
         </p:spPr>
         <p:style>
@@ -3783,7 +3783,7 @@
         <p:spPr>
           <a:xfrm>
             <a:off x="8476343" y="2590256"/>
-            <a:ext cx="1158422" cy="0"/>
+            <a:ext cx="1037772" cy="0"/>
           </a:xfrm>
           <a:prstGeom prst="straightConnector1">
             <a:avLst/>
@@ -3821,8 +3821,8 @@
         </p:nvSpPr>
         <p:spPr>
           <a:xfrm>
-            <a:off x="1441450" y="5548993"/>
-            <a:ext cx="1911350" cy="968101"/>
+            <a:off x="2373117" y="5548993"/>
+            <a:ext cx="1579628" cy="968101"/>
           </a:xfrm>
           <a:prstGeom prst="flowChartMagneticDisk">
             <a:avLst/>
@@ -3875,8 +3875,8 @@
         </p:nvSpPr>
         <p:spPr>
           <a:xfrm>
-            <a:off x="527050" y="1783443"/>
-            <a:ext cx="3740150" cy="3320869"/>
+            <a:off x="2057400" y="1802492"/>
+            <a:ext cx="2209800" cy="3320869"/>
           </a:xfrm>
           <a:prstGeom prst="rect">
             <a:avLst/>
@@ -3926,8 +3926,8 @@
         </p:nvCxnSpPr>
         <p:spPr>
           <a:xfrm>
-            <a:off x="2397125" y="5104312"/>
-            <a:ext cx="0" cy="444681"/>
+            <a:off x="3162300" y="5123361"/>
+            <a:ext cx="631" cy="425632"/>
           </a:xfrm>
           <a:prstGeom prst="line">
             <a:avLst/>
@@ -4004,7 +4004,15 @@
             <a:pPr algn="ctr"/>
             <a:r>
               <a:rPr lang="en-US" altLang="ko-KR" dirty="0"/>
-              <a:t>(ex&gt;lab-public)</a:t>
+              <a:t>(ex&gt;lab-</a:t>
+            </a:r>
+            <a:r>
+              <a:rPr lang="en-US" altLang="ko-KR" dirty="0" err="1"/>
+              <a:t>smartwork</a:t>
+            </a:r>
+            <a:r>
+              <a:rPr lang="en-US" altLang="ko-KR" dirty="0"/>
+              <a:t>)</a:t>
             </a:r>
             <a:endParaRPr lang="ko-KR" altLang="en-US" dirty="0"/>
           </a:p>
@@ -4020,6 +4028,7 @@
             </a:extLst>
           </p:cNvPr>
           <p:cNvCxnSpPr>
+            <a:cxnSpLocks/>
             <a:stCxn id="2" idx="1"/>
             <a:endCxn id="4" idx="0"/>
           </p:cNvCxnSpPr>
@@ -4027,15 +4036,17 @@
         </p:nvCxnSpPr>
         <p:spPr>
           <a:xfrm rot="10800000" flipV="1">
-            <a:off x="2389596" y="895893"/>
-            <a:ext cx="5914934" cy="1246959"/>
+            <a:off x="3180802" y="895893"/>
+            <a:ext cx="5123728" cy="1246959"/>
           </a:xfrm>
           <a:prstGeom prst="curvedConnector2">
             <a:avLst/>
           </a:prstGeom>
           <a:ln w="15875">
             <a:solidFill>
-              <a:srgbClr val="FFC000"/>
+              <a:schemeClr val="accent6">
+                <a:lumMod val="75000"/>
+              </a:schemeClr>
             </a:solidFill>
             <a:tailEnd type="triangle"/>
           </a:ln>
@@ -4073,8 +4084,8 @@
         </p:nvCxnSpPr>
         <p:spPr>
           <a:xfrm rot="16200000" flipV="1">
-            <a:off x="9746071" y="1410516"/>
-            <a:ext cx="799556" cy="665118"/>
+            <a:off x="9685746" y="1470841"/>
+            <a:ext cx="799556" cy="544468"/>
           </a:xfrm>
           <a:prstGeom prst="curvedConnector3">
             <a:avLst>
@@ -4117,19 +4128,20 @@
           <p:nvPr/>
         </p:nvCxnSpPr>
         <p:spPr>
-          <a:xfrm>
-            <a:off x="11322050" y="895894"/>
-            <a:ext cx="12700" cy="1694362"/>
+          <a:xfrm flipH="1">
+            <a:off x="11201400" y="895894"/>
+            <a:ext cx="120650" cy="1694362"/>
           </a:xfrm>
           <a:prstGeom prst="curvedConnector3">
             <a:avLst>
-              <a:gd name="adj1" fmla="val 1800000"/>
+              <a:gd name="adj1" fmla="val -189474"/>
             </a:avLst>
           </a:prstGeom>
           <a:ln w="15875">
             <a:solidFill>
               <a:srgbClr val="FFC000"/>
             </a:solidFill>
+            <a:headEnd type="triangle"/>
             <a:tailEnd type="triangle"/>
           </a:ln>
         </p:spPr>
@@ -4148,6 +4160,552 @@
           </a:fontRef>
         </p:style>
       </p:cxnSp>
+      <p:sp>
+        <p:nvSpPr>
+          <p:cNvPr id="9" name="TextBox 8">
+            <a:extLst>
+              <a:ext uri="{FF2B5EF4-FFF2-40B4-BE49-F238E27FC236}">
+                <a16:creationId xmlns:a16="http://schemas.microsoft.com/office/drawing/2014/main" id="{AA72048E-128D-EBBC-F717-6A0F1001E80C}"/>
+              </a:ext>
+            </a:extLst>
+          </p:cNvPr>
+          <p:cNvSpPr txBox="1"/>
+          <p:nvPr/>
+        </p:nvSpPr>
+        <p:spPr>
+          <a:xfrm>
+            <a:off x="5083813" y="762589"/>
+            <a:ext cx="800219" cy="276999"/>
+          </a:xfrm>
+          <a:prstGeom prst="rect">
+            <a:avLst/>
+          </a:prstGeom>
+          <a:noFill/>
+        </p:spPr>
+        <p:txBody>
+          <a:bodyPr wrap="none" rtlCol="0">
+            <a:spAutoFit/>
+          </a:bodyPr>
+          <a:lstStyle/>
+          <a:p>
+            <a:r>
+              <a:rPr lang="ko-KR" altLang="en-US" sz="1200" b="1" dirty="0">
+                <a:solidFill>
+                  <a:schemeClr val="accent6">
+                    <a:lumMod val="50000"/>
+                  </a:schemeClr>
+                </a:solidFill>
+              </a:rPr>
+              <a:t>토큰등록</a:t>
+            </a:r>
+          </a:p>
+        </p:txBody>
+      </p:sp>
+      <p:sp>
+        <p:nvSpPr>
+          <p:cNvPr id="11" name="TextBox 10">
+            <a:extLst>
+              <a:ext uri="{FF2B5EF4-FFF2-40B4-BE49-F238E27FC236}">
+                <a16:creationId xmlns:a16="http://schemas.microsoft.com/office/drawing/2014/main" id="{6AE07248-FADC-69ED-1450-629EAD355EC5}"/>
+              </a:ext>
+            </a:extLst>
+          </p:cNvPr>
+          <p:cNvSpPr txBox="1"/>
+          <p:nvPr/>
+        </p:nvSpPr>
+        <p:spPr>
+          <a:xfrm>
+            <a:off x="4330371" y="2289217"/>
+            <a:ext cx="800219" cy="276999"/>
+          </a:xfrm>
+          <a:prstGeom prst="rect">
+            <a:avLst/>
+          </a:prstGeom>
+          <a:noFill/>
+        </p:spPr>
+        <p:txBody>
+          <a:bodyPr wrap="none" rtlCol="0">
+            <a:spAutoFit/>
+          </a:bodyPr>
+          <a:lstStyle/>
+          <a:p>
+            <a:r>
+              <a:rPr lang="ko-KR" altLang="en-US" sz="1200" b="1" dirty="0">
+                <a:solidFill>
+                  <a:schemeClr val="accent1"/>
+                </a:solidFill>
+              </a:rPr>
+              <a:t>발송요청</a:t>
+            </a:r>
+          </a:p>
+        </p:txBody>
+      </p:sp>
+      <p:cxnSp>
+        <p:nvCxnSpPr>
+          <p:cNvPr id="22" name="직선 화살표 연결선 21">
+            <a:extLst>
+              <a:ext uri="{FF2B5EF4-FFF2-40B4-BE49-F238E27FC236}">
+                <a16:creationId xmlns:a16="http://schemas.microsoft.com/office/drawing/2014/main" id="{40EA3367-4621-570E-C72F-AB18D03EFDD8}"/>
+              </a:ext>
+            </a:extLst>
+          </p:cNvPr>
+          <p:cNvCxnSpPr>
+            <a:cxnSpLocks/>
+          </p:cNvCxnSpPr>
+          <p:nvPr/>
+        </p:nvCxnSpPr>
+        <p:spPr>
+          <a:xfrm flipH="1">
+            <a:off x="4117623" y="2795451"/>
+            <a:ext cx="1229440" cy="0"/>
+          </a:xfrm>
+          <a:prstGeom prst="straightConnector1">
+            <a:avLst/>
+          </a:prstGeom>
+          <a:ln w="15875">
+            <a:tailEnd type="triangle"/>
+          </a:ln>
+        </p:spPr>
+        <p:style>
+          <a:lnRef idx="1">
+            <a:schemeClr val="accent1"/>
+          </a:lnRef>
+          <a:fillRef idx="0">
+            <a:schemeClr val="accent1"/>
+          </a:fillRef>
+          <a:effectRef idx="0">
+            <a:schemeClr val="accent1"/>
+          </a:effectRef>
+          <a:fontRef idx="minor">
+            <a:schemeClr val="tx1"/>
+          </a:fontRef>
+        </p:style>
+      </p:cxnSp>
+      <p:sp>
+        <p:nvSpPr>
+          <p:cNvPr id="28" name="TextBox 27">
+            <a:extLst>
+              <a:ext uri="{FF2B5EF4-FFF2-40B4-BE49-F238E27FC236}">
+                <a16:creationId xmlns:a16="http://schemas.microsoft.com/office/drawing/2014/main" id="{2E08292B-5E7D-ED1D-A73C-DC0C5B7F61EB}"/>
+              </a:ext>
+            </a:extLst>
+          </p:cNvPr>
+          <p:cNvSpPr txBox="1"/>
+          <p:nvPr/>
+        </p:nvSpPr>
+        <p:spPr>
+          <a:xfrm>
+            <a:off x="4336902" y="2774722"/>
+            <a:ext cx="764761" cy="276999"/>
+          </a:xfrm>
+          <a:prstGeom prst="rect">
+            <a:avLst/>
+          </a:prstGeom>
+          <a:noFill/>
+        </p:spPr>
+        <p:txBody>
+          <a:bodyPr wrap="none" rtlCol="0">
+            <a:spAutoFit/>
+          </a:bodyPr>
+          <a:lstStyle/>
+          <a:p>
+            <a:r>
+              <a:rPr lang="en-US" altLang="ko-KR" sz="1200" b="1" dirty="0">
+                <a:solidFill>
+                  <a:schemeClr val="accent1"/>
+                </a:solidFill>
+              </a:rPr>
+              <a:t>callback</a:t>
+            </a:r>
+            <a:endParaRPr lang="ko-KR" altLang="en-US" sz="1200" b="1" dirty="0">
+              <a:solidFill>
+                <a:schemeClr val="accent1"/>
+              </a:solidFill>
+            </a:endParaRPr>
+          </a:p>
+        </p:txBody>
+      </p:sp>
+      <p:sp>
+        <p:nvSpPr>
+          <p:cNvPr id="31" name="TextBox 30">
+            <a:extLst>
+              <a:ext uri="{FF2B5EF4-FFF2-40B4-BE49-F238E27FC236}">
+                <a16:creationId xmlns:a16="http://schemas.microsoft.com/office/drawing/2014/main" id="{A2EA20B3-EAE4-97BF-F318-91D133B702CA}"/>
+              </a:ext>
+            </a:extLst>
+          </p:cNvPr>
+          <p:cNvSpPr txBox="1"/>
+          <p:nvPr/>
+        </p:nvSpPr>
+        <p:spPr>
+          <a:xfrm>
+            <a:off x="8653990" y="2289217"/>
+            <a:ext cx="800219" cy="276999"/>
+          </a:xfrm>
+          <a:prstGeom prst="rect">
+            <a:avLst/>
+          </a:prstGeom>
+          <a:noFill/>
+        </p:spPr>
+        <p:txBody>
+          <a:bodyPr wrap="none" rtlCol="0">
+            <a:spAutoFit/>
+          </a:bodyPr>
+          <a:lstStyle/>
+          <a:p>
+            <a:r>
+              <a:rPr lang="ko-KR" altLang="en-US" sz="1200" b="1" dirty="0">
+                <a:solidFill>
+                  <a:schemeClr val="accent1"/>
+                </a:solidFill>
+              </a:rPr>
+              <a:t>발송요청</a:t>
+            </a:r>
+          </a:p>
+        </p:txBody>
+      </p:sp>
+      <p:cxnSp>
+        <p:nvCxnSpPr>
+          <p:cNvPr id="32" name="직선 화살표 연결선 31">
+            <a:extLst>
+              <a:ext uri="{FF2B5EF4-FFF2-40B4-BE49-F238E27FC236}">
+                <a16:creationId xmlns:a16="http://schemas.microsoft.com/office/drawing/2014/main" id="{55A11FC0-EA77-3988-1407-856310291F5D}"/>
+              </a:ext>
+            </a:extLst>
+          </p:cNvPr>
+          <p:cNvCxnSpPr>
+            <a:cxnSpLocks/>
+          </p:cNvCxnSpPr>
+          <p:nvPr/>
+        </p:nvCxnSpPr>
+        <p:spPr>
+          <a:xfrm flipH="1">
+            <a:off x="8476343" y="2795451"/>
+            <a:ext cx="1158422" cy="0"/>
+          </a:xfrm>
+          <a:prstGeom prst="straightConnector1">
+            <a:avLst/>
+          </a:prstGeom>
+          <a:ln w="15875">
+            <a:tailEnd type="triangle"/>
+          </a:ln>
+        </p:spPr>
+        <p:style>
+          <a:lnRef idx="1">
+            <a:schemeClr val="accent1"/>
+          </a:lnRef>
+          <a:fillRef idx="0">
+            <a:schemeClr val="accent1"/>
+          </a:fillRef>
+          <a:effectRef idx="0">
+            <a:schemeClr val="accent1"/>
+          </a:effectRef>
+          <a:fontRef idx="minor">
+            <a:schemeClr val="tx1"/>
+          </a:fontRef>
+        </p:style>
+      </p:cxnSp>
+      <p:sp>
+        <p:nvSpPr>
+          <p:cNvPr id="33" name="TextBox 32">
+            <a:extLst>
+              <a:ext uri="{FF2B5EF4-FFF2-40B4-BE49-F238E27FC236}">
+                <a16:creationId xmlns:a16="http://schemas.microsoft.com/office/drawing/2014/main" id="{8E9C1F07-E738-89F5-A9A0-D5687431A425}"/>
+              </a:ext>
+            </a:extLst>
+          </p:cNvPr>
+          <p:cNvSpPr txBox="1"/>
+          <p:nvPr/>
+        </p:nvSpPr>
+        <p:spPr>
+          <a:xfrm>
+            <a:off x="8653990" y="2795451"/>
+            <a:ext cx="764761" cy="276999"/>
+          </a:xfrm>
+          <a:prstGeom prst="rect">
+            <a:avLst/>
+          </a:prstGeom>
+          <a:noFill/>
+        </p:spPr>
+        <p:txBody>
+          <a:bodyPr wrap="none" rtlCol="0">
+            <a:spAutoFit/>
+          </a:bodyPr>
+          <a:lstStyle/>
+          <a:p>
+            <a:r>
+              <a:rPr lang="en-US" altLang="ko-KR" sz="1200" b="1" dirty="0">
+                <a:solidFill>
+                  <a:schemeClr val="accent1"/>
+                </a:solidFill>
+              </a:rPr>
+              <a:t>callback</a:t>
+            </a:r>
+            <a:endParaRPr lang="ko-KR" altLang="en-US" sz="1200" b="1" dirty="0">
+              <a:solidFill>
+                <a:schemeClr val="accent1"/>
+              </a:solidFill>
+            </a:endParaRPr>
+          </a:p>
+        </p:txBody>
+      </p:sp>
+      <p:sp>
+        <p:nvSpPr>
+          <p:cNvPr id="35" name="직사각형 34">
+            <a:extLst>
+              <a:ext uri="{FF2B5EF4-FFF2-40B4-BE49-F238E27FC236}">
+                <a16:creationId xmlns:a16="http://schemas.microsoft.com/office/drawing/2014/main" id="{FA4A03FF-42EA-08FF-08D3-A58F96644616}"/>
+              </a:ext>
+            </a:extLst>
+          </p:cNvPr>
+          <p:cNvSpPr/>
+          <p:nvPr/>
+        </p:nvSpPr>
+        <p:spPr>
+          <a:xfrm>
+            <a:off x="386430" y="2998425"/>
+            <a:ext cx="1295850" cy="672281"/>
+          </a:xfrm>
+          <a:prstGeom prst="rect">
+            <a:avLst/>
+          </a:prstGeom>
+          <a:solidFill>
+            <a:schemeClr val="tx1"/>
+          </a:solidFill>
+        </p:spPr>
+        <p:style>
+          <a:lnRef idx="2">
+            <a:schemeClr val="accent1">
+              <a:shade val="50000"/>
+            </a:schemeClr>
+          </a:lnRef>
+          <a:fillRef idx="1">
+            <a:schemeClr val="accent1"/>
+          </a:fillRef>
+          <a:effectRef idx="0">
+            <a:schemeClr val="accent1"/>
+          </a:effectRef>
+          <a:fontRef idx="minor">
+            <a:schemeClr val="lt1"/>
+          </a:fontRef>
+        </p:style>
+        <p:txBody>
+          <a:bodyPr rtlCol="0" anchor="ctr"/>
+          <a:lstStyle/>
+          <a:p>
+            <a:pPr algn="ctr"/>
+            <a:r>
+              <a:rPr lang="en-US" altLang="ko-KR" dirty="0"/>
+              <a:t>Legacy </a:t>
+            </a:r>
+            <a:endParaRPr lang="ko-KR" altLang="en-US" dirty="0"/>
+          </a:p>
+        </p:txBody>
+      </p:sp>
+      <p:sp>
+        <p:nvSpPr>
+          <p:cNvPr id="36" name="TextBox 35">
+            <a:extLst>
+              <a:ext uri="{FF2B5EF4-FFF2-40B4-BE49-F238E27FC236}">
+                <a16:creationId xmlns:a16="http://schemas.microsoft.com/office/drawing/2014/main" id="{167E51D4-4D32-B671-CE88-E300B1073C9D}"/>
+              </a:ext>
+            </a:extLst>
+          </p:cNvPr>
+          <p:cNvSpPr txBox="1"/>
+          <p:nvPr/>
+        </p:nvSpPr>
+        <p:spPr>
+          <a:xfrm>
+            <a:off x="10646181" y="1525722"/>
+            <a:ext cx="1351652" cy="276999"/>
+          </a:xfrm>
+          <a:prstGeom prst="rect">
+            <a:avLst/>
+          </a:prstGeom>
+          <a:noFill/>
+        </p:spPr>
+        <p:txBody>
+          <a:bodyPr wrap="none" rtlCol="0">
+            <a:spAutoFit/>
+          </a:bodyPr>
+          <a:lstStyle/>
+          <a:p>
+            <a:r>
+              <a:rPr lang="en-US" altLang="ko-KR" sz="1200" b="1" dirty="0"/>
+              <a:t>Token </a:t>
+            </a:r>
+            <a:r>
+              <a:rPr lang="ko-KR" altLang="en-US" sz="1200" b="1" dirty="0"/>
+              <a:t>요청</a:t>
+            </a:r>
+            <a:r>
+              <a:rPr lang="en-US" altLang="ko-KR" sz="1200" b="1" dirty="0"/>
+              <a:t>/</a:t>
+            </a:r>
+            <a:r>
+              <a:rPr lang="ko-KR" altLang="en-US" sz="1200" b="1" dirty="0"/>
+              <a:t>응답</a:t>
+            </a:r>
+          </a:p>
+        </p:txBody>
+      </p:sp>
+      <p:sp>
+        <p:nvSpPr>
+          <p:cNvPr id="48" name="TextBox 47">
+            <a:extLst>
+              <a:ext uri="{FF2B5EF4-FFF2-40B4-BE49-F238E27FC236}">
+                <a16:creationId xmlns:a16="http://schemas.microsoft.com/office/drawing/2014/main" id="{401EF8C0-9902-03ED-6FA6-031729034399}"/>
+              </a:ext>
+            </a:extLst>
+          </p:cNvPr>
+          <p:cNvSpPr txBox="1"/>
+          <p:nvPr/>
+        </p:nvSpPr>
+        <p:spPr>
+          <a:xfrm>
+            <a:off x="876955" y="3840276"/>
+            <a:ext cx="553998" cy="363241"/>
+          </a:xfrm>
+          <a:prstGeom prst="rect">
+            <a:avLst/>
+          </a:prstGeom>
+          <a:noFill/>
+        </p:spPr>
+        <p:txBody>
+          <a:bodyPr vert="eaVert" wrap="none" rtlCol="0">
+            <a:spAutoFit/>
+          </a:bodyPr>
+          <a:lstStyle/>
+          <a:p>
+            <a:r>
+              <a:rPr lang="en-US" altLang="ko-KR" sz="2400" b="1" dirty="0"/>
+              <a:t>…</a:t>
+            </a:r>
+            <a:endParaRPr lang="ko-KR" altLang="en-US" sz="2400" b="1" dirty="0"/>
+          </a:p>
+        </p:txBody>
+      </p:sp>
+      <p:cxnSp>
+        <p:nvCxnSpPr>
+          <p:cNvPr id="53" name="직선 화살표 연결선 52">
+            <a:extLst>
+              <a:ext uri="{FF2B5EF4-FFF2-40B4-BE49-F238E27FC236}">
+                <a16:creationId xmlns:a16="http://schemas.microsoft.com/office/drawing/2014/main" id="{49B75AFF-AE11-333A-807D-21125294A718}"/>
+              </a:ext>
+            </a:extLst>
+          </p:cNvPr>
+          <p:cNvCxnSpPr>
+            <a:cxnSpLocks/>
+            <a:stCxn id="35" idx="0"/>
+            <a:endCxn id="4" idx="1"/>
+          </p:cNvCxnSpPr>
+          <p:nvPr/>
+        </p:nvCxnSpPr>
+        <p:spPr>
+          <a:xfrm flipV="1">
+            <a:off x="1034355" y="2590256"/>
+            <a:ext cx="1209626" cy="408169"/>
+          </a:xfrm>
+          <a:prstGeom prst="straightConnector1">
+            <a:avLst/>
+          </a:prstGeom>
+          <a:ln w="15875">
+            <a:tailEnd type="triangle"/>
+          </a:ln>
+        </p:spPr>
+        <p:style>
+          <a:lnRef idx="1">
+            <a:schemeClr val="accent1"/>
+          </a:lnRef>
+          <a:fillRef idx="0">
+            <a:schemeClr val="accent1"/>
+          </a:fillRef>
+          <a:effectRef idx="0">
+            <a:schemeClr val="accent1"/>
+          </a:effectRef>
+          <a:fontRef idx="minor">
+            <a:schemeClr val="tx1"/>
+          </a:fontRef>
+        </p:style>
+      </p:cxnSp>
+      <p:sp>
+        <p:nvSpPr>
+          <p:cNvPr id="54" name="TextBox 53">
+            <a:extLst>
+              <a:ext uri="{FF2B5EF4-FFF2-40B4-BE49-F238E27FC236}">
+                <a16:creationId xmlns:a16="http://schemas.microsoft.com/office/drawing/2014/main" id="{10FC6569-E230-567D-A880-0568BEF68E30}"/>
+              </a:ext>
+            </a:extLst>
+          </p:cNvPr>
+          <p:cNvSpPr txBox="1"/>
+          <p:nvPr/>
+        </p:nvSpPr>
+        <p:spPr>
+          <a:xfrm>
+            <a:off x="909454" y="2427716"/>
+            <a:ext cx="800219" cy="276999"/>
+          </a:xfrm>
+          <a:prstGeom prst="rect">
+            <a:avLst/>
+          </a:prstGeom>
+          <a:noFill/>
+        </p:spPr>
+        <p:txBody>
+          <a:bodyPr wrap="none" rtlCol="0">
+            <a:spAutoFit/>
+          </a:bodyPr>
+          <a:lstStyle/>
+          <a:p>
+            <a:r>
+              <a:rPr lang="ko-KR" altLang="en-US" sz="1200" b="1" dirty="0">
+                <a:solidFill>
+                  <a:schemeClr val="accent1"/>
+                </a:solidFill>
+              </a:rPr>
+              <a:t>발송요청</a:t>
+            </a:r>
+          </a:p>
+        </p:txBody>
+      </p:sp>
+      <p:sp>
+        <p:nvSpPr>
+          <p:cNvPr id="58" name="TextBox 57">
+            <a:extLst>
+              <a:ext uri="{FF2B5EF4-FFF2-40B4-BE49-F238E27FC236}">
+                <a16:creationId xmlns:a16="http://schemas.microsoft.com/office/drawing/2014/main" id="{ACC58C30-2DB0-6CE2-B3D8-5450608C399F}"/>
+              </a:ext>
+            </a:extLst>
+          </p:cNvPr>
+          <p:cNvSpPr txBox="1"/>
+          <p:nvPr/>
+        </p:nvSpPr>
+        <p:spPr>
+          <a:xfrm>
+            <a:off x="9983098" y="1434640"/>
+            <a:ext cx="492443" cy="276999"/>
+          </a:xfrm>
+          <a:prstGeom prst="rect">
+            <a:avLst/>
+          </a:prstGeom>
+          <a:noFill/>
+        </p:spPr>
+        <p:txBody>
+          <a:bodyPr wrap="none" rtlCol="0">
+            <a:spAutoFit/>
+          </a:bodyPr>
+          <a:lstStyle/>
+          <a:p>
+            <a:r>
+              <a:rPr lang="ko-KR" altLang="en-US" sz="1200" b="1" dirty="0">
+                <a:solidFill>
+                  <a:schemeClr val="accent1"/>
+                </a:solidFill>
+              </a:rPr>
+              <a:t>발송</a:t>
+            </a:r>
+          </a:p>
+        </p:txBody>
+      </p:sp>
     </p:spTree>
     <p:extLst>
       <p:ext uri="{BB962C8B-B14F-4D97-AF65-F5344CB8AC3E}">

--- a/documents/lab 프로젝트 기본 구조.pptx
+++ b/documents/lab 프로젝트 기본 구조.pptx
@@ -408,7 +408,7 @@
           <a:p>
             <a:fld id="{A606F5D0-77E3-4881-BA54-C940A163A217}" type="datetimeFigureOut">
               <a:rPr lang="ko-KR" altLang="en-US" smtClean="0"/>
-              <a:t>2024-07-29</a:t>
+              <a:t>2024-09-28</a:t>
             </a:fld>
             <a:endParaRPr lang="ko-KR" altLang="en-US"/>
           </a:p>
@@ -606,7 +606,7 @@
           <a:p>
             <a:fld id="{A606F5D0-77E3-4881-BA54-C940A163A217}" type="datetimeFigureOut">
               <a:rPr lang="ko-KR" altLang="en-US" smtClean="0"/>
-              <a:t>2024-07-29</a:t>
+              <a:t>2024-09-28</a:t>
             </a:fld>
             <a:endParaRPr lang="ko-KR" altLang="en-US"/>
           </a:p>
@@ -814,7 +814,7 @@
           <a:p>
             <a:fld id="{A606F5D0-77E3-4881-BA54-C940A163A217}" type="datetimeFigureOut">
               <a:rPr lang="ko-KR" altLang="en-US" smtClean="0"/>
-              <a:t>2024-07-29</a:t>
+              <a:t>2024-09-28</a:t>
             </a:fld>
             <a:endParaRPr lang="ko-KR" altLang="en-US"/>
           </a:p>
@@ -1012,7 +1012,7 @@
           <a:p>
             <a:fld id="{A606F5D0-77E3-4881-BA54-C940A163A217}" type="datetimeFigureOut">
               <a:rPr lang="ko-KR" altLang="en-US" smtClean="0"/>
-              <a:t>2024-07-29</a:t>
+              <a:t>2024-09-28</a:t>
             </a:fld>
             <a:endParaRPr lang="ko-KR" altLang="en-US"/>
           </a:p>
@@ -1287,7 +1287,7 @@
           <a:p>
             <a:fld id="{A606F5D0-77E3-4881-BA54-C940A163A217}" type="datetimeFigureOut">
               <a:rPr lang="ko-KR" altLang="en-US" smtClean="0"/>
-              <a:t>2024-07-29</a:t>
+              <a:t>2024-09-28</a:t>
             </a:fld>
             <a:endParaRPr lang="ko-KR" altLang="en-US"/>
           </a:p>
@@ -1552,7 +1552,7 @@
           <a:p>
             <a:fld id="{A606F5D0-77E3-4881-BA54-C940A163A217}" type="datetimeFigureOut">
               <a:rPr lang="ko-KR" altLang="en-US" smtClean="0"/>
-              <a:t>2024-07-29</a:t>
+              <a:t>2024-09-28</a:t>
             </a:fld>
             <a:endParaRPr lang="ko-KR" altLang="en-US"/>
           </a:p>
@@ -1964,7 +1964,7 @@
           <a:p>
             <a:fld id="{A606F5D0-77E3-4881-BA54-C940A163A217}" type="datetimeFigureOut">
               <a:rPr lang="ko-KR" altLang="en-US" smtClean="0"/>
-              <a:t>2024-07-29</a:t>
+              <a:t>2024-09-28</a:t>
             </a:fld>
             <a:endParaRPr lang="ko-KR" altLang="en-US"/>
           </a:p>
@@ -2105,7 +2105,7 @@
           <a:p>
             <a:fld id="{A606F5D0-77E3-4881-BA54-C940A163A217}" type="datetimeFigureOut">
               <a:rPr lang="ko-KR" altLang="en-US" smtClean="0"/>
-              <a:t>2024-07-29</a:t>
+              <a:t>2024-09-28</a:t>
             </a:fld>
             <a:endParaRPr lang="ko-KR" altLang="en-US"/>
           </a:p>
@@ -2218,7 +2218,7 @@
           <a:p>
             <a:fld id="{A606F5D0-77E3-4881-BA54-C940A163A217}" type="datetimeFigureOut">
               <a:rPr lang="ko-KR" altLang="en-US" smtClean="0"/>
-              <a:t>2024-07-29</a:t>
+              <a:t>2024-09-28</a:t>
             </a:fld>
             <a:endParaRPr lang="ko-KR" altLang="en-US"/>
           </a:p>
@@ -2529,7 +2529,7 @@
           <a:p>
             <a:fld id="{A606F5D0-77E3-4881-BA54-C940A163A217}" type="datetimeFigureOut">
               <a:rPr lang="ko-KR" altLang="en-US" smtClean="0"/>
-              <a:t>2024-07-29</a:t>
+              <a:t>2024-09-28</a:t>
             </a:fld>
             <a:endParaRPr lang="ko-KR" altLang="en-US"/>
           </a:p>
@@ -2817,7 +2817,7 @@
           <a:p>
             <a:fld id="{A606F5D0-77E3-4881-BA54-C940A163A217}" type="datetimeFigureOut">
               <a:rPr lang="ko-KR" altLang="en-US" smtClean="0"/>
-              <a:t>2024-07-29</a:t>
+              <a:t>2024-09-28</a:t>
             </a:fld>
             <a:endParaRPr lang="ko-KR" altLang="en-US"/>
           </a:p>
@@ -3058,7 +3058,7 @@
           <a:p>
             <a:fld id="{A606F5D0-77E3-4881-BA54-C940A163A217}" type="datetimeFigureOut">
               <a:rPr lang="ko-KR" altLang="en-US" smtClean="0"/>
-              <a:t>2024-07-29</a:t>
+              <a:t>2024-09-28</a:t>
             </a:fld>
             <a:endParaRPr lang="ko-KR" altLang="en-US"/>
           </a:p>
@@ -3489,7 +3489,7 @@
         </p:nvSpPr>
         <p:spPr>
           <a:xfrm>
-            <a:off x="2243981" y="2142853"/>
+            <a:off x="2262031" y="2329343"/>
             <a:ext cx="1873642" cy="894806"/>
           </a:xfrm>
           <a:prstGeom prst="rect">
@@ -3539,7 +3539,7 @@
         </p:nvSpPr>
         <p:spPr>
           <a:xfrm>
-            <a:off x="5335815" y="2142853"/>
+            <a:off x="5353865" y="2329343"/>
             <a:ext cx="3140528" cy="894806"/>
           </a:xfrm>
           <a:prstGeom prst="rect">
@@ -3589,7 +3589,7 @@
         </p:nvSpPr>
         <p:spPr>
           <a:xfrm>
-            <a:off x="9514115" y="2142853"/>
+            <a:off x="9532165" y="2329343"/>
             <a:ext cx="1687285" cy="894806"/>
           </a:xfrm>
           <a:prstGeom prst="rect">
@@ -3639,7 +3639,7 @@
         </p:nvSpPr>
         <p:spPr>
           <a:xfrm>
-            <a:off x="2243981" y="3802923"/>
+            <a:off x="2262031" y="3989413"/>
             <a:ext cx="1873642" cy="894806"/>
           </a:xfrm>
           <a:prstGeom prst="rect">
@@ -3669,7 +3669,7 @@
             <a:pPr algn="ctr"/>
             <a:r>
               <a:rPr lang="en-US" altLang="ko-KR" dirty="0"/>
-              <a:t>lab-webapp</a:t>
+              <a:t>lab-web-admin</a:t>
             </a:r>
             <a:endParaRPr lang="ko-KR" altLang="en-US" dirty="0"/>
           </a:p>
@@ -3693,7 +3693,7 @@
         </p:nvCxnSpPr>
         <p:spPr>
           <a:xfrm>
-            <a:off x="4117623" y="2590256"/>
+            <a:off x="4135673" y="2776746"/>
             <a:ext cx="1218192" cy="0"/>
           </a:xfrm>
           <a:prstGeom prst="straightConnector1">
@@ -3736,7 +3736,7 @@
         </p:nvCxnSpPr>
         <p:spPr>
           <a:xfrm flipV="1">
-            <a:off x="3180802" y="3037659"/>
+            <a:off x="3198852" y="3224149"/>
             <a:ext cx="0" cy="765264"/>
           </a:xfrm>
           <a:prstGeom prst="straightConnector1">
@@ -3782,7 +3782,7 @@
         </p:nvCxnSpPr>
         <p:spPr>
           <a:xfrm>
-            <a:off x="8476343" y="2590256"/>
+            <a:off x="8494393" y="2776746"/>
             <a:ext cx="1037772" cy="0"/>
           </a:xfrm>
           <a:prstGeom prst="straightConnector1">
@@ -3821,7 +3821,7 @@
         </p:nvSpPr>
         <p:spPr>
           <a:xfrm>
-            <a:off x="2373117" y="5548993"/>
+            <a:off x="2391167" y="5735483"/>
             <a:ext cx="1579628" cy="968101"/>
           </a:xfrm>
           <a:prstGeom prst="flowChartMagneticDisk">
@@ -3875,7 +3875,7 @@
         </p:nvSpPr>
         <p:spPr>
           <a:xfrm>
-            <a:off x="2057400" y="1802492"/>
+            <a:off x="2075450" y="1988982"/>
             <a:ext cx="2209800" cy="3320869"/>
           </a:xfrm>
           <a:prstGeom prst="rect">
@@ -3926,7 +3926,7 @@
         </p:nvCxnSpPr>
         <p:spPr>
           <a:xfrm>
-            <a:off x="3162300" y="5123361"/>
+            <a:off x="3180350" y="5309851"/>
             <a:ext cx="631" cy="425632"/>
           </a:xfrm>
           <a:prstGeom prst="line">
@@ -3967,7 +3967,7 @@
         </p:nvSpPr>
         <p:spPr>
           <a:xfrm>
-            <a:off x="8304530" y="448491"/>
+            <a:off x="8322580" y="634981"/>
             <a:ext cx="3017520" cy="894806"/>
           </a:xfrm>
           <a:prstGeom prst="rect">
@@ -3999,22 +3999,13 @@
               <a:rPr lang="en-US" altLang="ko-KR" dirty="0"/>
               <a:t>Client </a:t>
             </a:r>
-          </a:p>
-          <a:p>
-            <a:pPr algn="ctr"/>
-            <a:r>
+            <a:br>
               <a:rPr lang="en-US" altLang="ko-KR" dirty="0"/>
-              <a:t>(ex&gt;lab-</a:t>
-            </a:r>
-            <a:r>
-              <a:rPr lang="en-US" altLang="ko-KR" dirty="0" err="1"/>
-              <a:t>smartwork</a:t>
-            </a:r>
+            </a:br>
             <a:r>
               <a:rPr lang="en-US" altLang="ko-KR" dirty="0"/>
-              <a:t>)</a:t>
-            </a:r>
-            <a:endParaRPr lang="ko-KR" altLang="en-US" dirty="0"/>
+              <a:t>(WEB/AOS/iOS apps)</a:t>
+            </a:r>
           </a:p>
         </p:txBody>
       </p:sp>
@@ -4036,7 +4027,7 @@
         </p:nvCxnSpPr>
         <p:spPr>
           <a:xfrm rot="10800000" flipV="1">
-            <a:off x="3180802" y="895893"/>
+            <a:off x="3198852" y="1082383"/>
             <a:ext cx="5123728" cy="1246959"/>
           </a:xfrm>
           <a:prstGeom prst="curvedConnector2">
@@ -4084,7 +4075,7 @@
         </p:nvCxnSpPr>
         <p:spPr>
           <a:xfrm rot="16200000" flipV="1">
-            <a:off x="9685746" y="1470841"/>
+            <a:off x="9703796" y="1657331"/>
             <a:ext cx="799556" cy="544468"/>
           </a:xfrm>
           <a:prstGeom prst="curvedConnector3">
@@ -4129,7 +4120,7 @@
         </p:nvCxnSpPr>
         <p:spPr>
           <a:xfrm flipH="1">
-            <a:off x="11201400" y="895894"/>
+            <a:off x="11219450" y="1082384"/>
             <a:ext cx="120650" cy="1694362"/>
           </a:xfrm>
           <a:prstGeom prst="curvedConnector3">
@@ -4174,7 +4165,7 @@
         </p:nvSpPr>
         <p:spPr>
           <a:xfrm>
-            <a:off x="5083813" y="762589"/>
+            <a:off x="7460143" y="805382"/>
             <a:ext cx="800219" cy="276999"/>
           </a:xfrm>
           <a:prstGeom prst="rect">
@@ -4215,7 +4206,7 @@
         </p:nvSpPr>
         <p:spPr>
           <a:xfrm>
-            <a:off x="4330371" y="2289217"/>
+            <a:off x="4348421" y="2475707"/>
             <a:ext cx="800219" cy="276999"/>
           </a:xfrm>
           <a:prstGeom prst="rect">
@@ -4256,7 +4247,7 @@
         </p:nvCxnSpPr>
         <p:spPr>
           <a:xfrm flipH="1">
-            <a:off x="4117623" y="2795451"/>
+            <a:off x="4135673" y="2981941"/>
             <a:ext cx="1229440" cy="0"/>
           </a:xfrm>
           <a:prstGeom prst="straightConnector1">
@@ -4295,7 +4286,7 @@
         </p:nvSpPr>
         <p:spPr>
           <a:xfrm>
-            <a:off x="4336902" y="2774722"/>
+            <a:off x="4354952" y="2961212"/>
             <a:ext cx="764761" cy="276999"/>
           </a:xfrm>
           <a:prstGeom prst="rect">
@@ -4339,7 +4330,7 @@
         </p:nvSpPr>
         <p:spPr>
           <a:xfrm>
-            <a:off x="8653990" y="2289217"/>
+            <a:off x="8672040" y="2475707"/>
             <a:ext cx="800219" cy="276999"/>
           </a:xfrm>
           <a:prstGeom prst="rect">
@@ -4380,7 +4371,7 @@
         </p:nvCxnSpPr>
         <p:spPr>
           <a:xfrm flipH="1">
-            <a:off x="8476343" y="2795451"/>
+            <a:off x="8494393" y="2981941"/>
             <a:ext cx="1158422" cy="0"/>
           </a:xfrm>
           <a:prstGeom prst="straightConnector1">
@@ -4419,7 +4410,7 @@
         </p:nvSpPr>
         <p:spPr>
           <a:xfrm>
-            <a:off x="8653990" y="2795451"/>
+            <a:off x="8672040" y="2981941"/>
             <a:ext cx="764761" cy="276999"/>
           </a:xfrm>
           <a:prstGeom prst="rect">
@@ -4463,8 +4454,8 @@
         </p:nvSpPr>
         <p:spPr>
           <a:xfrm>
-            <a:off x="386430" y="2998425"/>
-            <a:ext cx="1295850" cy="672281"/>
+            <a:off x="356798" y="2445627"/>
+            <a:ext cx="1038572" cy="672281"/>
           </a:xfrm>
           <a:prstGeom prst="rect">
             <a:avLst/>
@@ -4516,7 +4507,7 @@
         </p:nvSpPr>
         <p:spPr>
           <a:xfrm>
-            <a:off x="10646181" y="1525722"/>
+            <a:off x="10664231" y="1712212"/>
             <a:ext cx="1351652" cy="276999"/>
           </a:xfrm>
           <a:prstGeom prst="rect">
@@ -4563,7 +4554,7 @@
         </p:nvSpPr>
         <p:spPr>
           <a:xfrm>
-            <a:off x="876955" y="3840276"/>
+            <a:off x="711645" y="3172524"/>
             <a:ext cx="553998" cy="363241"/>
           </a:xfrm>
           <a:prstGeom prst="rect">
@@ -4596,15 +4587,15 @@
           </p:cNvPr>
           <p:cNvCxnSpPr>
             <a:cxnSpLocks/>
-            <a:stCxn id="35" idx="0"/>
+            <a:stCxn id="35" idx="3"/>
             <a:endCxn id="4" idx="1"/>
           </p:cNvCxnSpPr>
           <p:nvPr/>
         </p:nvCxnSpPr>
         <p:spPr>
           <a:xfrm flipV="1">
-            <a:off x="1034355" y="2590256"/>
-            <a:ext cx="1209626" cy="408169"/>
+            <a:off x="1395370" y="2776746"/>
+            <a:ext cx="866661" cy="5022"/>
           </a:xfrm>
           <a:prstGeom prst="straightConnector1">
             <a:avLst/>
@@ -4642,7 +4633,7 @@
         </p:nvSpPr>
         <p:spPr>
           <a:xfrm>
-            <a:off x="909454" y="2427716"/>
+            <a:off x="1352381" y="2499747"/>
             <a:ext cx="800219" cy="276999"/>
           </a:xfrm>
           <a:prstGeom prst="rect">
@@ -4681,7 +4672,7 @@
         </p:nvSpPr>
         <p:spPr>
           <a:xfrm>
-            <a:off x="9983098" y="1434640"/>
+            <a:off x="10001148" y="1621130"/>
             <a:ext cx="492443" cy="276999"/>
           </a:xfrm>
           <a:prstGeom prst="rect">
@@ -4703,6 +4694,191 @@
               </a:rPr>
               <a:t>발송</a:t>
             </a:r>
+          </a:p>
+        </p:txBody>
+      </p:sp>
+      <p:cxnSp>
+        <p:nvCxnSpPr>
+          <p:cNvPr id="16" name="직선 연결선 15">
+            <a:extLst>
+              <a:ext uri="{FF2B5EF4-FFF2-40B4-BE49-F238E27FC236}">
+                <a16:creationId xmlns:a16="http://schemas.microsoft.com/office/drawing/2014/main" id="{3870A1C9-B012-B1BB-87D1-CD87DB14B26C}"/>
+              </a:ext>
+            </a:extLst>
+          </p:cNvPr>
+          <p:cNvCxnSpPr>
+            <a:cxnSpLocks/>
+          </p:cNvCxnSpPr>
+          <p:nvPr/>
+        </p:nvCxnSpPr>
+        <p:spPr>
+          <a:xfrm>
+            <a:off x="5191629" y="216568"/>
+            <a:ext cx="0" cy="6487016"/>
+          </a:xfrm>
+          <a:prstGeom prst="line">
+            <a:avLst/>
+          </a:prstGeom>
+          <a:ln w="15875">
+            <a:solidFill>
+              <a:srgbClr val="002060"/>
+            </a:solidFill>
+            <a:prstDash val="dash"/>
+          </a:ln>
+        </p:spPr>
+        <p:style>
+          <a:lnRef idx="1">
+            <a:schemeClr val="accent1"/>
+          </a:lnRef>
+          <a:fillRef idx="0">
+            <a:schemeClr val="accent1"/>
+          </a:fillRef>
+          <a:effectRef idx="0">
+            <a:schemeClr val="accent1"/>
+          </a:effectRef>
+          <a:fontRef idx="minor">
+            <a:schemeClr val="tx1"/>
+          </a:fontRef>
+        </p:style>
+      </p:cxnSp>
+      <p:sp>
+        <p:nvSpPr>
+          <p:cNvPr id="18" name="TextBox 17">
+            <a:extLst>
+              <a:ext uri="{FF2B5EF4-FFF2-40B4-BE49-F238E27FC236}">
+                <a16:creationId xmlns:a16="http://schemas.microsoft.com/office/drawing/2014/main" id="{C413683F-B20C-4654-72BE-0CE111537605}"/>
+              </a:ext>
+            </a:extLst>
+          </p:cNvPr>
+          <p:cNvSpPr txBox="1"/>
+          <p:nvPr/>
+        </p:nvSpPr>
+        <p:spPr>
+          <a:xfrm>
+            <a:off x="4162717" y="171838"/>
+            <a:ext cx="691664" cy="276999"/>
+          </a:xfrm>
+          <a:prstGeom prst="rect">
+            <a:avLst/>
+          </a:prstGeom>
+          <a:noFill/>
+        </p:spPr>
+        <p:txBody>
+          <a:bodyPr wrap="none" rtlCol="0">
+            <a:spAutoFit/>
+          </a:bodyPr>
+          <a:lstStyle/>
+          <a:p>
+            <a:r>
+              <a:rPr lang="en-US" altLang="ko-KR" sz="1200" b="1" dirty="0">
+                <a:solidFill>
+                  <a:srgbClr val="FF0000"/>
+                </a:solidFill>
+              </a:rPr>
+              <a:t>private</a:t>
+            </a:r>
+            <a:endParaRPr lang="ko-KR" altLang="en-US" sz="1200" b="1" dirty="0">
+              <a:solidFill>
+                <a:srgbClr val="FF0000"/>
+              </a:solidFill>
+            </a:endParaRPr>
+          </a:p>
+        </p:txBody>
+      </p:sp>
+      <p:sp>
+        <p:nvSpPr>
+          <p:cNvPr id="24" name="TextBox 23">
+            <a:extLst>
+              <a:ext uri="{FF2B5EF4-FFF2-40B4-BE49-F238E27FC236}">
+                <a16:creationId xmlns:a16="http://schemas.microsoft.com/office/drawing/2014/main" id="{2B273364-4733-6723-BA5C-87DD1D239B5A}"/>
+              </a:ext>
+            </a:extLst>
+          </p:cNvPr>
+          <p:cNvSpPr txBox="1"/>
+          <p:nvPr/>
+        </p:nvSpPr>
+        <p:spPr>
+          <a:xfrm>
+            <a:off x="5559293" y="171838"/>
+            <a:ext cx="628698" cy="276999"/>
+          </a:xfrm>
+          <a:prstGeom prst="rect">
+            <a:avLst/>
+          </a:prstGeom>
+          <a:noFill/>
+        </p:spPr>
+        <p:txBody>
+          <a:bodyPr wrap="none" rtlCol="0">
+            <a:spAutoFit/>
+          </a:bodyPr>
+          <a:lstStyle/>
+          <a:p>
+            <a:r>
+              <a:rPr lang="en-US" altLang="ko-KR" sz="1200" b="1" dirty="0">
+                <a:solidFill>
+                  <a:srgbClr val="FF0000"/>
+                </a:solidFill>
+              </a:rPr>
+              <a:t>public</a:t>
+            </a:r>
+            <a:endParaRPr lang="ko-KR" altLang="en-US" sz="1200" b="1" dirty="0">
+              <a:solidFill>
+                <a:srgbClr val="FF0000"/>
+              </a:solidFill>
+            </a:endParaRPr>
+          </a:p>
+        </p:txBody>
+      </p:sp>
+      <p:sp>
+        <p:nvSpPr>
+          <p:cNvPr id="25" name="직사각형 24">
+            <a:extLst>
+              <a:ext uri="{FF2B5EF4-FFF2-40B4-BE49-F238E27FC236}">
+                <a16:creationId xmlns:a16="http://schemas.microsoft.com/office/drawing/2014/main" id="{3B5E4CD2-0ADA-80ED-7329-F5C318212B01}"/>
+              </a:ext>
+            </a:extLst>
+          </p:cNvPr>
+          <p:cNvSpPr/>
+          <p:nvPr/>
+        </p:nvSpPr>
+        <p:spPr>
+          <a:xfrm>
+            <a:off x="4869785" y="571166"/>
+            <a:ext cx="643688" cy="1134696"/>
+          </a:xfrm>
+          <a:prstGeom prst="rect">
+            <a:avLst/>
+          </a:prstGeom>
+          <a:solidFill>
+            <a:schemeClr val="tx1"/>
+          </a:solidFill>
+        </p:spPr>
+        <p:style>
+          <a:lnRef idx="2">
+            <a:schemeClr val="accent1">
+              <a:shade val="50000"/>
+            </a:schemeClr>
+          </a:lnRef>
+          <a:fillRef idx="1">
+            <a:schemeClr val="accent1"/>
+          </a:fillRef>
+          <a:effectRef idx="0">
+            <a:schemeClr val="accent1"/>
+          </a:effectRef>
+          <a:fontRef idx="minor">
+            <a:schemeClr val="lt1"/>
+          </a:fontRef>
+        </p:style>
+        <p:txBody>
+          <a:bodyPr rtlCol="0" anchor="ctr"/>
+          <a:lstStyle/>
+          <a:p>
+            <a:pPr algn="ctr"/>
+            <a:r>
+              <a:rPr lang="en-US" altLang="ko-KR" sz="1200" dirty="0"/>
+              <a:t>WEB server</a:t>
+            </a:r>
+            <a:endParaRPr lang="ko-KR" altLang="en-US" sz="1200" dirty="0"/>
           </a:p>
         </p:txBody>
       </p:sp>
